--- a/Визуальная новелла.pptx
+++ b/Визуальная новелла.pptx
@@ -8,6 +8,8 @@
     <p:sldId id="256" r:id="rId2"/>
     <p:sldId id="257" r:id="rId3"/>
     <p:sldId id="258" r:id="rId4"/>
+    <p:sldId id="259" r:id="rId5"/>
+    <p:sldId id="260" r:id="rId6"/>
   </p:sldIdLst>
   <p:sldSz cx="12192000" cy="6858000"/>
   <p:notesSz cx="6858000" cy="9144000"/>
@@ -106,6 +108,11 @@
       </a:defRPr>
     </a:lvl9pPr>
   </p:defaultTextStyle>
+  <p:extLst>
+    <p:ext uri="{EFAFB233-063F-42B5-8137-9DF3F51BA10A}">
+      <p15:sldGuideLst xmlns:p15="http://schemas.microsoft.com/office/powerpoint/2012/main"/>
+    </p:ext>
+  </p:extLst>
 </p:presentation>
 </file>
 
@@ -151,10 +158,9 @@
           </a:lstStyle>
           <a:p>
             <a:r>
-              <a:rPr lang="ru-RU" smtClean="0"/>
+              <a:rPr lang="ru-RU"/>
               <a:t>Образец заголовка</a:t>
             </a:r>
-            <a:endParaRPr lang="ru-RU"/>
           </a:p>
         </p:txBody>
       </p:sp>
@@ -216,10 +222,9 @@
           </a:lstStyle>
           <a:p>
             <a:r>
-              <a:rPr lang="ru-RU" smtClean="0"/>
+              <a:rPr lang="ru-RU"/>
               <a:t>Образец подзаголовка</a:t>
             </a:r>
-            <a:endParaRPr lang="ru-RU"/>
           </a:p>
         </p:txBody>
       </p:sp>
@@ -240,7 +245,7 @@
           <a:p>
             <a:fld id="{41C88392-25C3-4DC9-B3AD-3E43D2B1BE53}" type="datetimeFigureOut">
               <a:rPr lang="ru-RU" smtClean="0"/>
-              <a:t>20.04.2023</a:t>
+              <a:t>24.04.2023</a:t>
             </a:fld>
             <a:endParaRPr lang="ru-RU"/>
           </a:p>
@@ -337,10 +342,9 @@
           <a:lstStyle/>
           <a:p>
             <a:r>
-              <a:rPr lang="ru-RU" smtClean="0"/>
+              <a:rPr lang="ru-RU"/>
               <a:t>Образец заголовка</a:t>
             </a:r>
-            <a:endParaRPr lang="ru-RU"/>
           </a:p>
         </p:txBody>
       </p:sp>
@@ -361,38 +365,37 @@
           <a:p>
             <a:pPr lvl="0"/>
             <a:r>
-              <a:rPr lang="ru-RU" smtClean="0"/>
+              <a:rPr lang="ru-RU"/>
               <a:t>Образец текста</a:t>
             </a:r>
           </a:p>
           <a:p>
             <a:pPr lvl="1"/>
             <a:r>
-              <a:rPr lang="ru-RU" smtClean="0"/>
+              <a:rPr lang="ru-RU"/>
               <a:t>Второй уровень</a:t>
             </a:r>
           </a:p>
           <a:p>
             <a:pPr lvl="2"/>
             <a:r>
-              <a:rPr lang="ru-RU" smtClean="0"/>
+              <a:rPr lang="ru-RU"/>
               <a:t>Третий уровень</a:t>
             </a:r>
           </a:p>
           <a:p>
             <a:pPr lvl="3"/>
             <a:r>
-              <a:rPr lang="ru-RU" smtClean="0"/>
+              <a:rPr lang="ru-RU"/>
               <a:t>Четвертый уровень</a:t>
             </a:r>
           </a:p>
           <a:p>
             <a:pPr lvl="4"/>
             <a:r>
-              <a:rPr lang="ru-RU" smtClean="0"/>
+              <a:rPr lang="ru-RU"/>
               <a:t>Пятый уровень</a:t>
             </a:r>
-            <a:endParaRPr lang="ru-RU"/>
           </a:p>
         </p:txBody>
       </p:sp>
@@ -413,7 +416,7 @@
           <a:p>
             <a:fld id="{41C88392-25C3-4DC9-B3AD-3E43D2B1BE53}" type="datetimeFigureOut">
               <a:rPr lang="ru-RU" smtClean="0"/>
-              <a:t>20.04.2023</a:t>
+              <a:t>24.04.2023</a:t>
             </a:fld>
             <a:endParaRPr lang="ru-RU"/>
           </a:p>
@@ -515,10 +518,9 @@
           <a:lstStyle/>
           <a:p>
             <a:r>
-              <a:rPr lang="ru-RU" smtClean="0"/>
+              <a:rPr lang="ru-RU"/>
               <a:t>Образец заголовка</a:t>
             </a:r>
-            <a:endParaRPr lang="ru-RU"/>
           </a:p>
         </p:txBody>
       </p:sp>
@@ -544,38 +546,37 @@
           <a:p>
             <a:pPr lvl="0"/>
             <a:r>
-              <a:rPr lang="ru-RU" smtClean="0"/>
+              <a:rPr lang="ru-RU"/>
               <a:t>Образец текста</a:t>
             </a:r>
           </a:p>
           <a:p>
             <a:pPr lvl="1"/>
             <a:r>
-              <a:rPr lang="ru-RU" smtClean="0"/>
+              <a:rPr lang="ru-RU"/>
               <a:t>Второй уровень</a:t>
             </a:r>
           </a:p>
           <a:p>
             <a:pPr lvl="2"/>
             <a:r>
-              <a:rPr lang="ru-RU" smtClean="0"/>
+              <a:rPr lang="ru-RU"/>
               <a:t>Третий уровень</a:t>
             </a:r>
           </a:p>
           <a:p>
             <a:pPr lvl="3"/>
             <a:r>
-              <a:rPr lang="ru-RU" smtClean="0"/>
+              <a:rPr lang="ru-RU"/>
               <a:t>Четвертый уровень</a:t>
             </a:r>
           </a:p>
           <a:p>
             <a:pPr lvl="4"/>
             <a:r>
-              <a:rPr lang="ru-RU" smtClean="0"/>
+              <a:rPr lang="ru-RU"/>
               <a:t>Пятый уровень</a:t>
             </a:r>
-            <a:endParaRPr lang="ru-RU"/>
           </a:p>
         </p:txBody>
       </p:sp>
@@ -596,7 +597,7 @@
           <a:p>
             <a:fld id="{41C88392-25C3-4DC9-B3AD-3E43D2B1BE53}" type="datetimeFigureOut">
               <a:rPr lang="ru-RU" smtClean="0"/>
-              <a:t>20.04.2023</a:t>
+              <a:t>24.04.2023</a:t>
             </a:fld>
             <a:endParaRPr lang="ru-RU"/>
           </a:p>
@@ -693,10 +694,9 @@
           <a:lstStyle/>
           <a:p>
             <a:r>
-              <a:rPr lang="ru-RU" smtClean="0"/>
+              <a:rPr lang="ru-RU"/>
               <a:t>Образец заголовка</a:t>
             </a:r>
-            <a:endParaRPr lang="ru-RU"/>
           </a:p>
         </p:txBody>
       </p:sp>
@@ -717,38 +717,37 @@
           <a:p>
             <a:pPr lvl="0"/>
             <a:r>
-              <a:rPr lang="ru-RU" smtClean="0"/>
+              <a:rPr lang="ru-RU"/>
               <a:t>Образец текста</a:t>
             </a:r>
           </a:p>
           <a:p>
             <a:pPr lvl="1"/>
             <a:r>
-              <a:rPr lang="ru-RU" smtClean="0"/>
+              <a:rPr lang="ru-RU"/>
               <a:t>Второй уровень</a:t>
             </a:r>
           </a:p>
           <a:p>
             <a:pPr lvl="2"/>
             <a:r>
-              <a:rPr lang="ru-RU" smtClean="0"/>
+              <a:rPr lang="ru-RU"/>
               <a:t>Третий уровень</a:t>
             </a:r>
           </a:p>
           <a:p>
             <a:pPr lvl="3"/>
             <a:r>
-              <a:rPr lang="ru-RU" smtClean="0"/>
+              <a:rPr lang="ru-RU"/>
               <a:t>Четвертый уровень</a:t>
             </a:r>
           </a:p>
           <a:p>
             <a:pPr lvl="4"/>
             <a:r>
-              <a:rPr lang="ru-RU" smtClean="0"/>
+              <a:rPr lang="ru-RU"/>
               <a:t>Пятый уровень</a:t>
             </a:r>
-            <a:endParaRPr lang="ru-RU"/>
           </a:p>
         </p:txBody>
       </p:sp>
@@ -769,7 +768,7 @@
           <a:p>
             <a:fld id="{41C88392-25C3-4DC9-B3AD-3E43D2B1BE53}" type="datetimeFigureOut">
               <a:rPr lang="ru-RU" smtClean="0"/>
-              <a:t>20.04.2023</a:t>
+              <a:t>24.04.2023</a:t>
             </a:fld>
             <a:endParaRPr lang="ru-RU"/>
           </a:p>
@@ -875,10 +874,9 @@
           </a:lstStyle>
           <a:p>
             <a:r>
-              <a:rPr lang="ru-RU" smtClean="0"/>
+              <a:rPr lang="ru-RU"/>
               <a:t>Образец заголовка</a:t>
             </a:r>
-            <a:endParaRPr lang="ru-RU"/>
           </a:p>
         </p:txBody>
       </p:sp>
@@ -995,7 +993,7 @@
           <a:p>
             <a:pPr lvl="0"/>
             <a:r>
-              <a:rPr lang="ru-RU" smtClean="0"/>
+              <a:rPr lang="ru-RU"/>
               <a:t>Образец текста</a:t>
             </a:r>
           </a:p>
@@ -1018,7 +1016,7 @@
           <a:p>
             <a:fld id="{41C88392-25C3-4DC9-B3AD-3E43D2B1BE53}" type="datetimeFigureOut">
               <a:rPr lang="ru-RU" smtClean="0"/>
-              <a:t>20.04.2023</a:t>
+              <a:t>24.04.2023</a:t>
             </a:fld>
             <a:endParaRPr lang="ru-RU"/>
           </a:p>
@@ -1115,10 +1113,9 @@
           <a:lstStyle/>
           <a:p>
             <a:r>
-              <a:rPr lang="ru-RU" smtClean="0"/>
+              <a:rPr lang="ru-RU"/>
               <a:t>Образец заголовка</a:t>
             </a:r>
-            <a:endParaRPr lang="ru-RU"/>
           </a:p>
         </p:txBody>
       </p:sp>
@@ -1144,38 +1141,37 @@
           <a:p>
             <a:pPr lvl="0"/>
             <a:r>
-              <a:rPr lang="ru-RU" smtClean="0"/>
+              <a:rPr lang="ru-RU"/>
               <a:t>Образец текста</a:t>
             </a:r>
           </a:p>
           <a:p>
             <a:pPr lvl="1"/>
             <a:r>
-              <a:rPr lang="ru-RU" smtClean="0"/>
+              <a:rPr lang="ru-RU"/>
               <a:t>Второй уровень</a:t>
             </a:r>
           </a:p>
           <a:p>
             <a:pPr lvl="2"/>
             <a:r>
-              <a:rPr lang="ru-RU" smtClean="0"/>
+              <a:rPr lang="ru-RU"/>
               <a:t>Третий уровень</a:t>
             </a:r>
           </a:p>
           <a:p>
             <a:pPr lvl="3"/>
             <a:r>
-              <a:rPr lang="ru-RU" smtClean="0"/>
+              <a:rPr lang="ru-RU"/>
               <a:t>Четвертый уровень</a:t>
             </a:r>
           </a:p>
           <a:p>
             <a:pPr lvl="4"/>
             <a:r>
-              <a:rPr lang="ru-RU" smtClean="0"/>
+              <a:rPr lang="ru-RU"/>
               <a:t>Пятый уровень</a:t>
             </a:r>
-            <a:endParaRPr lang="ru-RU"/>
           </a:p>
         </p:txBody>
       </p:sp>
@@ -1201,38 +1197,37 @@
           <a:p>
             <a:pPr lvl="0"/>
             <a:r>
-              <a:rPr lang="ru-RU" smtClean="0"/>
+              <a:rPr lang="ru-RU"/>
               <a:t>Образец текста</a:t>
             </a:r>
           </a:p>
           <a:p>
             <a:pPr lvl="1"/>
             <a:r>
-              <a:rPr lang="ru-RU" smtClean="0"/>
+              <a:rPr lang="ru-RU"/>
               <a:t>Второй уровень</a:t>
             </a:r>
           </a:p>
           <a:p>
             <a:pPr lvl="2"/>
             <a:r>
-              <a:rPr lang="ru-RU" smtClean="0"/>
+              <a:rPr lang="ru-RU"/>
               <a:t>Третий уровень</a:t>
             </a:r>
           </a:p>
           <a:p>
             <a:pPr lvl="3"/>
             <a:r>
-              <a:rPr lang="ru-RU" smtClean="0"/>
+              <a:rPr lang="ru-RU"/>
               <a:t>Четвертый уровень</a:t>
             </a:r>
           </a:p>
           <a:p>
             <a:pPr lvl="4"/>
             <a:r>
-              <a:rPr lang="ru-RU" smtClean="0"/>
+              <a:rPr lang="ru-RU"/>
               <a:t>Пятый уровень</a:t>
             </a:r>
-            <a:endParaRPr lang="ru-RU"/>
           </a:p>
         </p:txBody>
       </p:sp>
@@ -1253,7 +1248,7 @@
           <a:p>
             <a:fld id="{41C88392-25C3-4DC9-B3AD-3E43D2B1BE53}" type="datetimeFigureOut">
               <a:rPr lang="ru-RU" smtClean="0"/>
-              <a:t>20.04.2023</a:t>
+              <a:t>24.04.2023</a:t>
             </a:fld>
             <a:endParaRPr lang="ru-RU"/>
           </a:p>
@@ -1355,10 +1350,9 @@
           <a:lstStyle/>
           <a:p>
             <a:r>
-              <a:rPr lang="ru-RU" smtClean="0"/>
+              <a:rPr lang="ru-RU"/>
               <a:t>Образец заголовка</a:t>
             </a:r>
-            <a:endParaRPr lang="ru-RU"/>
           </a:p>
         </p:txBody>
       </p:sp>
@@ -1421,7 +1415,7 @@
           <a:p>
             <a:pPr lvl="0"/>
             <a:r>
-              <a:rPr lang="ru-RU" smtClean="0"/>
+              <a:rPr lang="ru-RU"/>
               <a:t>Образец текста</a:t>
             </a:r>
           </a:p>
@@ -1449,38 +1443,37 @@
           <a:p>
             <a:pPr lvl="0"/>
             <a:r>
-              <a:rPr lang="ru-RU" smtClean="0"/>
+              <a:rPr lang="ru-RU"/>
               <a:t>Образец текста</a:t>
             </a:r>
           </a:p>
           <a:p>
             <a:pPr lvl="1"/>
             <a:r>
-              <a:rPr lang="ru-RU" smtClean="0"/>
+              <a:rPr lang="ru-RU"/>
               <a:t>Второй уровень</a:t>
             </a:r>
           </a:p>
           <a:p>
             <a:pPr lvl="2"/>
             <a:r>
-              <a:rPr lang="ru-RU" smtClean="0"/>
+              <a:rPr lang="ru-RU"/>
               <a:t>Третий уровень</a:t>
             </a:r>
           </a:p>
           <a:p>
             <a:pPr lvl="3"/>
             <a:r>
-              <a:rPr lang="ru-RU" smtClean="0"/>
+              <a:rPr lang="ru-RU"/>
               <a:t>Четвертый уровень</a:t>
             </a:r>
           </a:p>
           <a:p>
             <a:pPr lvl="4"/>
             <a:r>
-              <a:rPr lang="ru-RU" smtClean="0"/>
+              <a:rPr lang="ru-RU"/>
               <a:t>Пятый уровень</a:t>
             </a:r>
-            <a:endParaRPr lang="ru-RU"/>
           </a:p>
         </p:txBody>
       </p:sp>
@@ -1543,7 +1536,7 @@
           <a:p>
             <a:pPr lvl="0"/>
             <a:r>
-              <a:rPr lang="ru-RU" smtClean="0"/>
+              <a:rPr lang="ru-RU"/>
               <a:t>Образец текста</a:t>
             </a:r>
           </a:p>
@@ -1571,38 +1564,37 @@
           <a:p>
             <a:pPr lvl="0"/>
             <a:r>
-              <a:rPr lang="ru-RU" smtClean="0"/>
+              <a:rPr lang="ru-RU"/>
               <a:t>Образец текста</a:t>
             </a:r>
           </a:p>
           <a:p>
             <a:pPr lvl="1"/>
             <a:r>
-              <a:rPr lang="ru-RU" smtClean="0"/>
+              <a:rPr lang="ru-RU"/>
               <a:t>Второй уровень</a:t>
             </a:r>
           </a:p>
           <a:p>
             <a:pPr lvl="2"/>
             <a:r>
-              <a:rPr lang="ru-RU" smtClean="0"/>
+              <a:rPr lang="ru-RU"/>
               <a:t>Третий уровень</a:t>
             </a:r>
           </a:p>
           <a:p>
             <a:pPr lvl="3"/>
             <a:r>
-              <a:rPr lang="ru-RU" smtClean="0"/>
+              <a:rPr lang="ru-RU"/>
               <a:t>Четвертый уровень</a:t>
             </a:r>
           </a:p>
           <a:p>
             <a:pPr lvl="4"/>
             <a:r>
-              <a:rPr lang="ru-RU" smtClean="0"/>
+              <a:rPr lang="ru-RU"/>
               <a:t>Пятый уровень</a:t>
             </a:r>
-            <a:endParaRPr lang="ru-RU"/>
           </a:p>
         </p:txBody>
       </p:sp>
@@ -1623,7 +1615,7 @@
           <a:p>
             <a:fld id="{41C88392-25C3-4DC9-B3AD-3E43D2B1BE53}" type="datetimeFigureOut">
               <a:rPr lang="ru-RU" smtClean="0"/>
-              <a:t>20.04.2023</a:t>
+              <a:t>24.04.2023</a:t>
             </a:fld>
             <a:endParaRPr lang="ru-RU"/>
           </a:p>
@@ -1720,10 +1712,9 @@
           <a:lstStyle/>
           <a:p>
             <a:r>
-              <a:rPr lang="ru-RU" smtClean="0"/>
+              <a:rPr lang="ru-RU"/>
               <a:t>Образец заголовка</a:t>
             </a:r>
-            <a:endParaRPr lang="ru-RU"/>
           </a:p>
         </p:txBody>
       </p:sp>
@@ -1744,7 +1735,7 @@
           <a:p>
             <a:fld id="{41C88392-25C3-4DC9-B3AD-3E43D2B1BE53}" type="datetimeFigureOut">
               <a:rPr lang="ru-RU" smtClean="0"/>
-              <a:t>20.04.2023</a:t>
+              <a:t>24.04.2023</a:t>
             </a:fld>
             <a:endParaRPr lang="ru-RU"/>
           </a:p>
@@ -1842,7 +1833,7 @@
           <a:p>
             <a:fld id="{41C88392-25C3-4DC9-B3AD-3E43D2B1BE53}" type="datetimeFigureOut">
               <a:rPr lang="ru-RU" smtClean="0"/>
-              <a:t>20.04.2023</a:t>
+              <a:t>24.04.2023</a:t>
             </a:fld>
             <a:endParaRPr lang="ru-RU"/>
           </a:p>
@@ -1948,10 +1939,9 @@
           </a:lstStyle>
           <a:p>
             <a:r>
-              <a:rPr lang="ru-RU" smtClean="0"/>
+              <a:rPr lang="ru-RU"/>
               <a:t>Образец заголовка</a:t>
             </a:r>
-            <a:endParaRPr lang="ru-RU"/>
           </a:p>
         </p:txBody>
       </p:sp>
@@ -2005,38 +1995,37 @@
           <a:p>
             <a:pPr lvl="0"/>
             <a:r>
-              <a:rPr lang="ru-RU" smtClean="0"/>
+              <a:rPr lang="ru-RU"/>
               <a:t>Образец текста</a:t>
             </a:r>
           </a:p>
           <a:p>
             <a:pPr lvl="1"/>
             <a:r>
-              <a:rPr lang="ru-RU" smtClean="0"/>
+              <a:rPr lang="ru-RU"/>
               <a:t>Второй уровень</a:t>
             </a:r>
           </a:p>
           <a:p>
             <a:pPr lvl="2"/>
             <a:r>
-              <a:rPr lang="ru-RU" smtClean="0"/>
+              <a:rPr lang="ru-RU"/>
               <a:t>Третий уровень</a:t>
             </a:r>
           </a:p>
           <a:p>
             <a:pPr lvl="3"/>
             <a:r>
-              <a:rPr lang="ru-RU" smtClean="0"/>
+              <a:rPr lang="ru-RU"/>
               <a:t>Четвертый уровень</a:t>
             </a:r>
           </a:p>
           <a:p>
             <a:pPr lvl="4"/>
             <a:r>
-              <a:rPr lang="ru-RU" smtClean="0"/>
+              <a:rPr lang="ru-RU"/>
               <a:t>Пятый уровень</a:t>
             </a:r>
-            <a:endParaRPr lang="ru-RU"/>
           </a:p>
         </p:txBody>
       </p:sp>
@@ -2099,7 +2088,7 @@
           <a:p>
             <a:pPr lvl="0"/>
             <a:r>
-              <a:rPr lang="ru-RU" smtClean="0"/>
+              <a:rPr lang="ru-RU"/>
               <a:t>Образец текста</a:t>
             </a:r>
           </a:p>
@@ -2122,7 +2111,7 @@
           <a:p>
             <a:fld id="{41C88392-25C3-4DC9-B3AD-3E43D2B1BE53}" type="datetimeFigureOut">
               <a:rPr lang="ru-RU" smtClean="0"/>
-              <a:t>20.04.2023</a:t>
+              <a:t>24.04.2023</a:t>
             </a:fld>
             <a:endParaRPr lang="ru-RU"/>
           </a:p>
@@ -2228,10 +2217,9 @@
           </a:lstStyle>
           <a:p>
             <a:r>
-              <a:rPr lang="ru-RU" smtClean="0"/>
+              <a:rPr lang="ru-RU"/>
               <a:t>Образец заголовка</a:t>
             </a:r>
-            <a:endParaRPr lang="ru-RU"/>
           </a:p>
         </p:txBody>
       </p:sp>
@@ -2355,7 +2343,7 @@
           <a:p>
             <a:pPr lvl="0"/>
             <a:r>
-              <a:rPr lang="ru-RU" smtClean="0"/>
+              <a:rPr lang="ru-RU"/>
               <a:t>Образец текста</a:t>
             </a:r>
           </a:p>
@@ -2378,7 +2366,7 @@
           <a:p>
             <a:fld id="{41C88392-25C3-4DC9-B3AD-3E43D2B1BE53}" type="datetimeFigureOut">
               <a:rPr lang="ru-RU" smtClean="0"/>
-              <a:t>20.04.2023</a:t>
+              <a:t>24.04.2023</a:t>
             </a:fld>
             <a:endParaRPr lang="ru-RU"/>
           </a:p>
@@ -2490,10 +2478,9 @@
           <a:lstStyle/>
           <a:p>
             <a:r>
-              <a:rPr lang="ru-RU" smtClean="0"/>
+              <a:rPr lang="ru-RU"/>
               <a:t>Образец заголовка</a:t>
             </a:r>
-            <a:endParaRPr lang="ru-RU"/>
           </a:p>
         </p:txBody>
       </p:sp>
@@ -2524,38 +2511,37 @@
           <a:p>
             <a:pPr lvl="0"/>
             <a:r>
-              <a:rPr lang="ru-RU" smtClean="0"/>
+              <a:rPr lang="ru-RU"/>
               <a:t>Образец текста</a:t>
             </a:r>
           </a:p>
           <a:p>
             <a:pPr lvl="1"/>
             <a:r>
-              <a:rPr lang="ru-RU" smtClean="0"/>
+              <a:rPr lang="ru-RU"/>
               <a:t>Второй уровень</a:t>
             </a:r>
           </a:p>
           <a:p>
             <a:pPr lvl="2"/>
             <a:r>
-              <a:rPr lang="ru-RU" smtClean="0"/>
+              <a:rPr lang="ru-RU"/>
               <a:t>Третий уровень</a:t>
             </a:r>
           </a:p>
           <a:p>
             <a:pPr lvl="3"/>
             <a:r>
-              <a:rPr lang="ru-RU" smtClean="0"/>
+              <a:rPr lang="ru-RU"/>
               <a:t>Четвертый уровень</a:t>
             </a:r>
           </a:p>
           <a:p>
             <a:pPr lvl="4"/>
             <a:r>
-              <a:rPr lang="ru-RU" smtClean="0"/>
+              <a:rPr lang="ru-RU"/>
               <a:t>Пятый уровень</a:t>
             </a:r>
-            <a:endParaRPr lang="ru-RU"/>
           </a:p>
         </p:txBody>
       </p:sp>
@@ -2594,7 +2580,7 @@
           <a:p>
             <a:fld id="{41C88392-25C3-4DC9-B3AD-3E43D2B1BE53}" type="datetimeFigureOut">
               <a:rPr lang="ru-RU" smtClean="0"/>
-              <a:t>20.04.2023</a:t>
+              <a:t>24.04.2023</a:t>
             </a:fld>
             <a:endParaRPr lang="ru-RU"/>
           </a:p>
@@ -3025,16 +3011,10 @@
           <a:lstStyle/>
           <a:p>
             <a:r>
-              <a:rPr lang="ru-RU" sz="3600" b="1" dirty="0" smtClean="0">
+              <a:rPr lang="ru-RU" sz="3600" b="1" dirty="0">
                 <a:latin typeface="HelveticaNeueCyr" panose="02000603050000020004" pitchFamily="2" charset="-52"/>
               </a:rPr>
               <a:t>Визуальная новелла</a:t>
-            </a:r>
-            <a:r>
-              <a:rPr lang="ru-RU" sz="3600" b="1" dirty="0">
-                <a:latin typeface="HelveticaNeueCyr" panose="02000603050000020004" pitchFamily="2" charset="-52"/>
-              </a:rPr>
-              <a:t/>
             </a:r>
             <a:br>
               <a:rPr lang="ru-RU" sz="3600" b="1" dirty="0">
@@ -3042,13 +3022,13 @@
               </a:rPr>
             </a:br>
             <a:r>
-              <a:rPr lang="ru-RU" sz="3600" b="1" dirty="0" smtClean="0">
+              <a:rPr lang="ru-RU" sz="3600" b="1" dirty="0">
                 <a:latin typeface="HelveticaNeueCyr" panose="02000603050000020004" pitchFamily="2" charset="-52"/>
               </a:rPr>
               <a:t>Приключения самурая </a:t>
             </a:r>
             <a:r>
-              <a:rPr lang="ru-RU" sz="3600" b="1" dirty="0" err="1" smtClean="0">
+              <a:rPr lang="ru-RU" sz="3600" b="1" dirty="0" err="1">
                 <a:latin typeface="HelveticaNeueCyr" panose="02000603050000020004" pitchFamily="2" charset="-52"/>
               </a:rPr>
               <a:t>Такэо</a:t>
@@ -3102,13 +3082,6 @@
   <p:transition>
     <p:fade/>
   </p:transition>
-  <p:timing>
-    <p:tnLst>
-      <p:par>
-        <p:cTn id="1" dur="indefinite" restart="never" nodeType="tmRoot"/>
-      </p:par>
-    </p:tnLst>
-  </p:timing>
 </p:sld>
 </file>
 
@@ -3141,18 +3114,17 @@
         </p:nvSpPr>
         <p:spPr/>
         <p:txBody>
-          <a:bodyPr/>
-          <a:lstStyle/>
-          <a:p>
-            <a:r>
-              <a:rPr lang="ru-RU" dirty="0" smtClean="0">
+          <a:bodyPr>
+            <a:normAutofit/>
+          </a:bodyPr>
+          <a:lstStyle/>
+          <a:p>
+            <a:r>
+              <a:rPr lang="ru-RU" sz="4800" b="1" dirty="0">
                 <a:latin typeface="HelveticaNeueCyr" panose="02000603050000020004" pitchFamily="2" charset="-52"/>
               </a:rPr>
               <a:t>Цель проекта</a:t>
             </a:r>
-            <a:endParaRPr lang="ru-RU" dirty="0">
-              <a:latin typeface="HelveticaNeueCyr" panose="02000603050000020004" pitchFamily="2" charset="-52"/>
-            </a:endParaRPr>
           </a:p>
         </p:txBody>
       </p:sp>
@@ -3168,44 +3140,60 @@
         </p:nvSpPr>
         <p:spPr/>
         <p:txBody>
-          <a:bodyPr/>
+          <a:bodyPr>
+            <a:normAutofit/>
+          </a:bodyPr>
           <a:lstStyle/>
           <a:p>
             <a:pPr>
+              <a:lnSpc>
+                <a:spcPct val="100000"/>
+              </a:lnSpc>
+              <a:spcBef>
+                <a:spcPts val="2000"/>
+              </a:spcBef>
               <a:spcAft>
-                <a:spcPts val="1000"/>
+                <a:spcPts val="2000"/>
               </a:spcAft>
             </a:pPr>
             <a:r>
-              <a:rPr lang="ru-RU" dirty="0" smtClean="0"/>
-              <a:t>Создать интересную новеллу</a:t>
-            </a:r>
-            <a:r>
-              <a:rPr lang="ru-RU" dirty="0"/>
-              <a:t> </a:t>
-            </a:r>
-            <a:r>
-              <a:rPr lang="ru-RU" dirty="0" smtClean="0"/>
-              <a:t>с развитием сюжета и различными концовками</a:t>
+              <a:rPr lang="ru-RU" sz="3600" dirty="0"/>
+              <a:t>Создать интересную новеллу с развитием сюжета и различными концовками</a:t>
             </a:r>
           </a:p>
           <a:p>
             <a:pPr>
+              <a:lnSpc>
+                <a:spcPct val="100000"/>
+              </a:lnSpc>
+              <a:spcBef>
+                <a:spcPts val="2000"/>
+              </a:spcBef>
               <a:spcAft>
-                <a:spcPts val="1000"/>
+                <a:spcPts val="2000"/>
               </a:spcAft>
             </a:pPr>
             <a:r>
-              <a:rPr lang="ru-RU" dirty="0" smtClean="0"/>
-              <a:t>Добавить оформление к тексту новеллы</a:t>
-            </a:r>
-          </a:p>
-          <a:p>
-            <a:r>
-              <a:rPr lang="ru-RU" dirty="0" smtClean="0"/>
-              <a:t>Создать навык для Алисы и озвучить уже написанный текст</a:t>
-            </a:r>
-            <a:endParaRPr lang="ru-RU" dirty="0"/>
+              <a:rPr lang="ru-RU" sz="3600" dirty="0"/>
+              <a:t>Создать навык для Алисы</a:t>
+            </a:r>
+          </a:p>
+          <a:p>
+            <a:pPr>
+              <a:lnSpc>
+                <a:spcPct val="100000"/>
+              </a:lnSpc>
+              <a:spcBef>
+                <a:spcPts val="2000"/>
+              </a:spcBef>
+              <a:spcAft>
+                <a:spcPts val="2000"/>
+              </a:spcAft>
+            </a:pPr>
+            <a:r>
+              <a:rPr lang="ru-RU" sz="3600" dirty="0"/>
+              <a:t>Озвучить уже написанный текст</a:t>
+            </a:r>
           </a:p>
         </p:txBody>
       </p:sp>
@@ -3497,18 +3485,17 @@
         </p:nvSpPr>
         <p:spPr/>
         <p:txBody>
-          <a:bodyPr/>
-          <a:lstStyle/>
-          <a:p>
-            <a:r>
-              <a:rPr lang="ru-RU" dirty="0" smtClean="0">
+          <a:bodyPr>
+            <a:normAutofit/>
+          </a:bodyPr>
+          <a:lstStyle/>
+          <a:p>
+            <a:r>
+              <a:rPr lang="ru-RU" sz="4800" b="1" dirty="0">
                 <a:latin typeface="HelveticaNeueCyr" panose="02000603050000020004" pitchFamily="2" charset="-52"/>
               </a:rPr>
               <a:t>Реализация</a:t>
             </a:r>
-            <a:endParaRPr lang="ru-RU" dirty="0">
-              <a:latin typeface="HelveticaNeueCyr" panose="02000603050000020004" pitchFamily="2" charset="-52"/>
-            </a:endParaRPr>
           </a:p>
         </p:txBody>
       </p:sp>
@@ -3536,8 +3523,8 @@
         </p:blipFill>
         <p:spPr>
           <a:xfrm>
-            <a:off x="5730747" y="2294312"/>
-            <a:ext cx="5927437" cy="2826932"/>
+            <a:off x="5434375" y="2281919"/>
+            <a:ext cx="6520181" cy="3109625"/>
           </a:xfrm>
         </p:spPr>
       </p:pic>
@@ -3549,8 +3536,8 @@
         </p:nvSpPr>
         <p:spPr>
           <a:xfrm>
-            <a:off x="838200" y="2294312"/>
-            <a:ext cx="4530436" cy="2355132"/>
+            <a:off x="838200" y="2247420"/>
+            <a:ext cx="4530436" cy="2637966"/>
           </a:xfrm>
           <a:prstGeom prst="rect">
             <a:avLst/>
@@ -3571,11 +3558,11 @@
               <a:buChar char="•"/>
             </a:pPr>
             <a:r>
-              <a:rPr lang="ru-RU" sz="3200" dirty="0" smtClean="0"/>
+              <a:rPr lang="ru-RU" sz="3600" dirty="0"/>
               <a:t>Функция </a:t>
             </a:r>
             <a:r>
-              <a:rPr lang="en-US" sz="3200" dirty="0" smtClean="0"/>
+              <a:rPr lang="en-US" sz="3600" dirty="0"/>
               <a:t>handler</a:t>
             </a:r>
           </a:p>
@@ -3588,14 +3575,14 @@
               <a:buChar char="•"/>
             </a:pPr>
             <a:r>
-              <a:rPr lang="ru-RU" sz="3200" dirty="0" smtClean="0"/>
+              <a:rPr lang="ru-RU" sz="3600" dirty="0"/>
               <a:t>Функция </a:t>
             </a:r>
             <a:r>
-              <a:rPr lang="en-US" sz="3200" dirty="0" smtClean="0"/>
+              <a:rPr lang="en-US" sz="3600" dirty="0"/>
               <a:t>main</a:t>
             </a:r>
-            <a:endParaRPr lang="ru-RU" sz="3200" dirty="0"/>
+            <a:endParaRPr lang="ru-RU" sz="3600" dirty="0"/>
           </a:p>
         </p:txBody>
       </p:sp>
@@ -3811,6 +3798,635 @@
                                           <p:spTgt spid="5">
                                             <p:txEl>
                                               <p:pRg st="1" end="1"/>
+                                            </p:txEl>
+                                          </p:spTgt>
+                                        </p:tgtEl>
+                                      </p:cBhvr>
+                                    </p:animEffect>
+                                  </p:childTnLst>
+                                </p:cTn>
+                              </p:par>
+                            </p:childTnLst>
+                          </p:cTn>
+                        </p:par>
+                      </p:childTnLst>
+                    </p:cTn>
+                  </p:par>
+                </p:childTnLst>
+              </p:cTn>
+              <p:prevCondLst>
+                <p:cond evt="onPrev" delay="0">
+                  <p:tgtEl>
+                    <p:sldTgt/>
+                  </p:tgtEl>
+                </p:cond>
+              </p:prevCondLst>
+              <p:nextCondLst>
+                <p:cond evt="onNext" delay="0">
+                  <p:tgtEl>
+                    <p:sldTgt/>
+                  </p:tgtEl>
+                </p:cond>
+              </p:nextCondLst>
+            </p:seq>
+          </p:childTnLst>
+        </p:cTn>
+      </p:par>
+    </p:tnLst>
+  </p:timing>
+</p:sld>
+</file>
+
+<file path=ppt/slides/slide4.xml><?xml version="1.0" encoding="utf-8"?>
+<p:sld xmlns:a="http://schemas.openxmlformats.org/drawingml/2006/main" xmlns:r="http://schemas.openxmlformats.org/officeDocument/2006/relationships" xmlns:p="http://schemas.openxmlformats.org/presentationml/2006/main">
+  <p:cSld>
+    <p:spTree>
+      <p:nvGrpSpPr>
+        <p:cNvPr id="1" name=""/>
+        <p:cNvGrpSpPr/>
+        <p:nvPr/>
+      </p:nvGrpSpPr>
+      <p:grpSpPr>
+        <a:xfrm>
+          <a:off x="0" y="0"/>
+          <a:ext cx="0" cy="0"/>
+          <a:chOff x="0" y="0"/>
+          <a:chExt cx="0" cy="0"/>
+        </a:xfrm>
+      </p:grpSpPr>
+      <p:sp>
+        <p:nvSpPr>
+          <p:cNvPr id="2" name="Title 1">
+            <a:extLst>
+              <a:ext uri="{FF2B5EF4-FFF2-40B4-BE49-F238E27FC236}">
+                <a16:creationId xmlns:a16="http://schemas.microsoft.com/office/drawing/2014/main" id="{8E94B034-E273-5049-648E-420E93C270F3}"/>
+              </a:ext>
+            </a:extLst>
+          </p:cNvPr>
+          <p:cNvSpPr>
+            <a:spLocks noGrp="1"/>
+          </p:cNvSpPr>
+          <p:nvPr>
+            <p:ph type="title"/>
+          </p:nvPr>
+        </p:nvSpPr>
+        <p:spPr/>
+        <p:txBody>
+          <a:bodyPr>
+            <a:normAutofit/>
+          </a:bodyPr>
+          <a:lstStyle/>
+          <a:p>
+            <a:r>
+              <a:rPr lang="ru-RU" sz="4800" b="1" dirty="0">
+                <a:latin typeface="Helvetica Neue" panose="02000503000000020004" pitchFamily="2" charset="0"/>
+                <a:ea typeface="Helvetica Neue" panose="02000503000000020004" pitchFamily="2" charset="0"/>
+                <a:cs typeface="Helvetica Neue" panose="02000503000000020004" pitchFamily="2" charset="0"/>
+              </a:rPr>
+              <a:t>Особенности проекта</a:t>
+            </a:r>
+            <a:endParaRPr lang="en-RU" sz="4800" b="1" dirty="0">
+              <a:latin typeface="Helvetica Neue" panose="02000503000000020004" pitchFamily="2" charset="0"/>
+              <a:ea typeface="Helvetica Neue" panose="02000503000000020004" pitchFamily="2" charset="0"/>
+              <a:cs typeface="Helvetica Neue" panose="02000503000000020004" pitchFamily="2" charset="0"/>
+            </a:endParaRPr>
+          </a:p>
+        </p:txBody>
+      </p:sp>
+      <p:sp>
+        <p:nvSpPr>
+          <p:cNvPr id="3" name="Content Placeholder 2">
+            <a:extLst>
+              <a:ext uri="{FF2B5EF4-FFF2-40B4-BE49-F238E27FC236}">
+                <a16:creationId xmlns:a16="http://schemas.microsoft.com/office/drawing/2014/main" id="{FCC952F5-6E23-3EEC-31CF-20A1D0E3ECA4}"/>
+              </a:ext>
+            </a:extLst>
+          </p:cNvPr>
+          <p:cNvSpPr>
+            <a:spLocks noGrp="1"/>
+          </p:cNvSpPr>
+          <p:nvPr>
+            <p:ph idx="1"/>
+          </p:nvPr>
+        </p:nvSpPr>
+        <p:spPr>
+          <a:xfrm>
+            <a:off x="838200" y="1263344"/>
+            <a:ext cx="10174912" cy="4351338"/>
+          </a:xfrm>
+        </p:spPr>
+        <p:txBody>
+          <a:bodyPr>
+            <a:normAutofit/>
+          </a:bodyPr>
+          <a:lstStyle/>
+          <a:p>
+            <a:pPr>
+              <a:lnSpc>
+                <a:spcPct val="250000"/>
+              </a:lnSpc>
+            </a:pPr>
+            <a:r>
+              <a:rPr lang="ru-RU" sz="3600" dirty="0"/>
+              <a:t>Интересный сюжет с разветвлениями</a:t>
+            </a:r>
+          </a:p>
+          <a:p>
+            <a:pPr>
+              <a:lnSpc>
+                <a:spcPct val="250000"/>
+              </a:lnSpc>
+            </a:pPr>
+            <a:r>
+              <a:rPr lang="ru-RU" sz="3600" dirty="0"/>
+              <a:t>Наличие инвентаря у пользователя</a:t>
+            </a:r>
+          </a:p>
+          <a:p>
+            <a:pPr>
+              <a:lnSpc>
+                <a:spcPct val="250000"/>
+              </a:lnSpc>
+            </a:pPr>
+            <a:r>
+              <a:rPr lang="ru-RU" sz="3600" dirty="0"/>
+              <a:t>Проверка правильности введения ответов</a:t>
+            </a:r>
+            <a:endParaRPr lang="en-RU" sz="3600" dirty="0"/>
+          </a:p>
+        </p:txBody>
+      </p:sp>
+      <p:pic>
+        <p:nvPicPr>
+          <p:cNvPr id="5" name="Picture 4">
+            <a:extLst>
+              <a:ext uri="{FF2B5EF4-FFF2-40B4-BE49-F238E27FC236}">
+                <a16:creationId xmlns:a16="http://schemas.microsoft.com/office/drawing/2014/main" id="{81BA53F0-6CF4-163A-03EB-64AC5B227CB2}"/>
+              </a:ext>
+            </a:extLst>
+          </p:cNvPr>
+          <p:cNvPicPr>
+            <a:picLocks noChangeAspect="1"/>
+          </p:cNvPicPr>
+          <p:nvPr/>
+        </p:nvPicPr>
+        <p:blipFill>
+          <a:blip r:embed="rId2">
+            <a:extLst>
+              <a:ext uri="{28A0092B-C50C-407E-A947-70E740481C1C}">
+                <a14:useLocalDpi xmlns:a14="http://schemas.microsoft.com/office/drawing/2010/main" val="0"/>
+              </a:ext>
+            </a:extLst>
+          </a:blip>
+          <a:stretch>
+            <a:fillRect/>
+          </a:stretch>
+        </p:blipFill>
+        <p:spPr>
+          <a:xfrm>
+            <a:off x="10706179" y="1746329"/>
+            <a:ext cx="874064" cy="874064"/>
+          </a:xfrm>
+          <a:prstGeom prst="rect">
+            <a:avLst/>
+          </a:prstGeom>
+        </p:spPr>
+      </p:pic>
+      <p:pic>
+        <p:nvPicPr>
+          <p:cNvPr id="7" name="Picture 6">
+            <a:extLst>
+              <a:ext uri="{FF2B5EF4-FFF2-40B4-BE49-F238E27FC236}">
+                <a16:creationId xmlns:a16="http://schemas.microsoft.com/office/drawing/2014/main" id="{F0B0511E-E24D-1F71-27B1-0024E0ADD95D}"/>
+              </a:ext>
+            </a:extLst>
+          </p:cNvPr>
+          <p:cNvPicPr>
+            <a:picLocks noChangeAspect="1"/>
+          </p:cNvPicPr>
+          <p:nvPr/>
+        </p:nvPicPr>
+        <p:blipFill>
+          <a:blip r:embed="rId3">
+            <a:extLst>
+              <a:ext uri="{28A0092B-C50C-407E-A947-70E740481C1C}">
+                <a14:useLocalDpi xmlns:a14="http://schemas.microsoft.com/office/drawing/2010/main" val="0"/>
+              </a:ext>
+            </a:extLst>
+          </a:blip>
+          <a:stretch>
+            <a:fillRect/>
+          </a:stretch>
+        </p:blipFill>
+        <p:spPr>
+          <a:xfrm>
+            <a:off x="10581187" y="3058513"/>
+            <a:ext cx="1136137" cy="1136137"/>
+          </a:xfrm>
+          <a:prstGeom prst="rect">
+            <a:avLst/>
+          </a:prstGeom>
+        </p:spPr>
+      </p:pic>
+      <p:pic>
+        <p:nvPicPr>
+          <p:cNvPr id="9" name="Picture 8">
+            <a:extLst>
+              <a:ext uri="{FF2B5EF4-FFF2-40B4-BE49-F238E27FC236}">
+                <a16:creationId xmlns:a16="http://schemas.microsoft.com/office/drawing/2014/main" id="{3A66A6CA-D154-557E-F00F-133560E71CF0}"/>
+              </a:ext>
+            </a:extLst>
+          </p:cNvPr>
+          <p:cNvPicPr>
+            <a:picLocks noChangeAspect="1"/>
+          </p:cNvPicPr>
+          <p:nvPr/>
+        </p:nvPicPr>
+        <p:blipFill>
+          <a:blip r:embed="rId4">
+            <a:extLst>
+              <a:ext uri="{28A0092B-C50C-407E-A947-70E740481C1C}">
+                <a14:useLocalDpi xmlns:a14="http://schemas.microsoft.com/office/drawing/2010/main" val="0"/>
+              </a:ext>
+            </a:extLst>
+          </a:blip>
+          <a:stretch>
+            <a:fillRect/>
+          </a:stretch>
+        </p:blipFill>
+        <p:spPr>
+          <a:xfrm>
+            <a:off x="10591933" y="4539343"/>
+            <a:ext cx="1102555" cy="1102555"/>
+          </a:xfrm>
+          <a:prstGeom prst="rect">
+            <a:avLst/>
+          </a:prstGeom>
+        </p:spPr>
+      </p:pic>
+    </p:spTree>
+    <p:extLst>
+      <p:ext uri="{BB962C8B-B14F-4D97-AF65-F5344CB8AC3E}">
+        <p14:creationId xmlns:p14="http://schemas.microsoft.com/office/powerpoint/2010/main" val="608324910"/>
+      </p:ext>
+    </p:extLst>
+  </p:cSld>
+  <p:clrMapOvr>
+    <a:masterClrMapping/>
+  </p:clrMapOvr>
+  <p:transition>
+    <p:fade/>
+  </p:transition>
+</p:sld>
+</file>
+
+<file path=ppt/slides/slide5.xml><?xml version="1.0" encoding="utf-8"?>
+<p:sld xmlns:a="http://schemas.openxmlformats.org/drawingml/2006/main" xmlns:r="http://schemas.openxmlformats.org/officeDocument/2006/relationships" xmlns:p="http://schemas.openxmlformats.org/presentationml/2006/main">
+  <p:cSld>
+    <p:spTree>
+      <p:nvGrpSpPr>
+        <p:cNvPr id="1" name=""/>
+        <p:cNvGrpSpPr/>
+        <p:nvPr/>
+      </p:nvGrpSpPr>
+      <p:grpSpPr>
+        <a:xfrm>
+          <a:off x="0" y="0"/>
+          <a:ext cx="0" cy="0"/>
+          <a:chOff x="0" y="0"/>
+          <a:chExt cx="0" cy="0"/>
+        </a:xfrm>
+      </p:grpSpPr>
+      <p:sp>
+        <p:nvSpPr>
+          <p:cNvPr id="2" name="Title 1">
+            <a:extLst>
+              <a:ext uri="{FF2B5EF4-FFF2-40B4-BE49-F238E27FC236}">
+                <a16:creationId xmlns:a16="http://schemas.microsoft.com/office/drawing/2014/main" id="{932ED179-2333-7C03-B20A-0262CD3F530D}"/>
+              </a:ext>
+            </a:extLst>
+          </p:cNvPr>
+          <p:cNvSpPr>
+            <a:spLocks noGrp="1"/>
+          </p:cNvSpPr>
+          <p:nvPr>
+            <p:ph type="title"/>
+          </p:nvPr>
+        </p:nvSpPr>
+        <p:spPr/>
+        <p:txBody>
+          <a:bodyPr>
+            <a:normAutofit/>
+          </a:bodyPr>
+          <a:lstStyle/>
+          <a:p>
+            <a:r>
+              <a:rPr lang="ru-RU" sz="4800" b="1" dirty="0">
+                <a:latin typeface="Helvetica Neue" panose="02000503000000020004" pitchFamily="2" charset="0"/>
+                <a:ea typeface="Helvetica Neue" panose="02000503000000020004" pitchFamily="2" charset="0"/>
+                <a:cs typeface="Helvetica Neue" panose="02000503000000020004" pitchFamily="2" charset="0"/>
+              </a:rPr>
+              <a:t>Дальнейшее развитие</a:t>
+            </a:r>
+            <a:endParaRPr lang="en-RU" sz="4800" b="1" dirty="0">
+              <a:latin typeface="Helvetica Neue" panose="02000503000000020004" pitchFamily="2" charset="0"/>
+              <a:ea typeface="Helvetica Neue" panose="02000503000000020004" pitchFamily="2" charset="0"/>
+              <a:cs typeface="Helvetica Neue" panose="02000503000000020004" pitchFamily="2" charset="0"/>
+            </a:endParaRPr>
+          </a:p>
+        </p:txBody>
+      </p:sp>
+      <p:sp>
+        <p:nvSpPr>
+          <p:cNvPr id="3" name="Content Placeholder 2">
+            <a:extLst>
+              <a:ext uri="{FF2B5EF4-FFF2-40B4-BE49-F238E27FC236}">
+                <a16:creationId xmlns:a16="http://schemas.microsoft.com/office/drawing/2014/main" id="{7AAEEEC2-1685-F050-20D3-152097475118}"/>
+              </a:ext>
+            </a:extLst>
+          </p:cNvPr>
+          <p:cNvSpPr>
+            <a:spLocks noGrp="1"/>
+          </p:cNvSpPr>
+          <p:nvPr>
+            <p:ph idx="1"/>
+          </p:nvPr>
+        </p:nvSpPr>
+        <p:spPr>
+          <a:xfrm>
+            <a:off x="838200" y="1403594"/>
+            <a:ext cx="10515600" cy="4351338"/>
+          </a:xfrm>
+        </p:spPr>
+        <p:txBody>
+          <a:bodyPr>
+            <a:normAutofit lnSpcReduction="10000"/>
+          </a:bodyPr>
+          <a:lstStyle/>
+          <a:p>
+            <a:pPr>
+              <a:lnSpc>
+                <a:spcPct val="250000"/>
+              </a:lnSpc>
+            </a:pPr>
+            <a:r>
+              <a:rPr lang="ru-RU" sz="3600" dirty="0"/>
+              <a:t>Добавление сохранений процесса</a:t>
+            </a:r>
+          </a:p>
+          <a:p>
+            <a:pPr>
+              <a:lnSpc>
+                <a:spcPct val="250000"/>
+              </a:lnSpc>
+            </a:pPr>
+            <a:r>
+              <a:rPr lang="ru-RU" sz="3600" dirty="0"/>
+              <a:t>Создание оформления</a:t>
+            </a:r>
+          </a:p>
+          <a:p>
+            <a:pPr>
+              <a:lnSpc>
+                <a:spcPct val="250000"/>
+              </a:lnSpc>
+            </a:pPr>
+            <a:r>
+              <a:rPr lang="ru-RU" sz="3600" dirty="0"/>
+              <a:t>Развитие на других площадках</a:t>
+            </a:r>
+          </a:p>
+          <a:p>
+            <a:endParaRPr lang="en-RU" dirty="0"/>
+          </a:p>
+        </p:txBody>
+      </p:sp>
+      <p:pic>
+        <p:nvPicPr>
+          <p:cNvPr id="7" name="Picture 6">
+            <a:extLst>
+              <a:ext uri="{FF2B5EF4-FFF2-40B4-BE49-F238E27FC236}">
+                <a16:creationId xmlns:a16="http://schemas.microsoft.com/office/drawing/2014/main" id="{B9C54706-13FA-5C27-62CE-54C5B1015C98}"/>
+              </a:ext>
+            </a:extLst>
+          </p:cNvPr>
+          <p:cNvPicPr>
+            <a:picLocks noChangeAspect="1"/>
+          </p:cNvPicPr>
+          <p:nvPr/>
+        </p:nvPicPr>
+        <p:blipFill>
+          <a:blip r:embed="rId2">
+            <a:extLst>
+              <a:ext uri="{28A0092B-C50C-407E-A947-70E740481C1C}">
+                <a14:useLocalDpi xmlns:a14="http://schemas.microsoft.com/office/drawing/2010/main" val="0"/>
+              </a:ext>
+            </a:extLst>
+          </a:blip>
+          <a:stretch>
+            <a:fillRect/>
+          </a:stretch>
+        </p:blipFill>
+        <p:spPr>
+          <a:xfrm>
+            <a:off x="10269416" y="4914778"/>
+            <a:ext cx="1680308" cy="1680308"/>
+          </a:xfrm>
+          <a:prstGeom prst="rect">
+            <a:avLst/>
+          </a:prstGeom>
+        </p:spPr>
+      </p:pic>
+    </p:spTree>
+    <p:extLst>
+      <p:ext uri="{BB962C8B-B14F-4D97-AF65-F5344CB8AC3E}">
+        <p14:creationId xmlns:p14="http://schemas.microsoft.com/office/powerpoint/2010/main" val="1199944969"/>
+      </p:ext>
+    </p:extLst>
+  </p:cSld>
+  <p:clrMapOvr>
+    <a:masterClrMapping/>
+  </p:clrMapOvr>
+  <p:transition>
+    <p:fade/>
+  </p:transition>
+  <p:timing>
+    <p:tnLst>
+      <p:par>
+        <p:cTn id="1" dur="indefinite" restart="never" nodeType="tmRoot">
+          <p:childTnLst>
+            <p:seq concurrent="1" nextAc="seek">
+              <p:cTn id="2" dur="indefinite" nodeType="mainSeq">
+                <p:childTnLst>
+                  <p:par>
+                    <p:cTn id="3" fill="hold">
+                      <p:stCondLst>
+                        <p:cond delay="indefinite"/>
+                      </p:stCondLst>
+                      <p:childTnLst>
+                        <p:par>
+                          <p:cTn id="4" fill="hold">
+                            <p:stCondLst>
+                              <p:cond delay="0"/>
+                            </p:stCondLst>
+                            <p:childTnLst>
+                              <p:par>
+                                <p:cTn id="5" presetID="10" presetClass="entr" presetSubtype="0" fill="hold" nodeType="clickEffect">
+                                  <p:stCondLst>
+                                    <p:cond delay="0"/>
+                                  </p:stCondLst>
+                                  <p:childTnLst>
+                                    <p:set>
+                                      <p:cBhvr>
+                                        <p:cTn id="6" dur="1" fill="hold">
+                                          <p:stCondLst>
+                                            <p:cond delay="0"/>
+                                          </p:stCondLst>
+                                        </p:cTn>
+                                        <p:tgtEl>
+                                          <p:spTgt spid="3">
+                                            <p:txEl>
+                                              <p:pRg st="0" end="0"/>
+                                            </p:txEl>
+                                          </p:spTgt>
+                                        </p:tgtEl>
+                                        <p:attrNameLst>
+                                          <p:attrName>style.visibility</p:attrName>
+                                        </p:attrNameLst>
+                                      </p:cBhvr>
+                                      <p:to>
+                                        <p:strVal val="visible"/>
+                                      </p:to>
+                                    </p:set>
+                                    <p:animEffect transition="in" filter="fade">
+                                      <p:cBhvr>
+                                        <p:cTn id="7" dur="500"/>
+                                        <p:tgtEl>
+                                          <p:spTgt spid="3">
+                                            <p:txEl>
+                                              <p:pRg st="0" end="0"/>
+                                            </p:txEl>
+                                          </p:spTgt>
+                                        </p:tgtEl>
+                                      </p:cBhvr>
+                                    </p:animEffect>
+                                  </p:childTnLst>
+                                </p:cTn>
+                              </p:par>
+                            </p:childTnLst>
+                          </p:cTn>
+                        </p:par>
+                      </p:childTnLst>
+                    </p:cTn>
+                  </p:par>
+                  <p:par>
+                    <p:cTn id="8" fill="hold">
+                      <p:stCondLst>
+                        <p:cond delay="indefinite"/>
+                      </p:stCondLst>
+                      <p:childTnLst>
+                        <p:par>
+                          <p:cTn id="9" fill="hold">
+                            <p:stCondLst>
+                              <p:cond delay="0"/>
+                            </p:stCondLst>
+                            <p:childTnLst>
+                              <p:par>
+                                <p:cTn id="10" presetID="10" presetClass="entr" presetSubtype="0" fill="hold" nodeType="clickEffect">
+                                  <p:stCondLst>
+                                    <p:cond delay="0"/>
+                                  </p:stCondLst>
+                                  <p:childTnLst>
+                                    <p:set>
+                                      <p:cBhvr>
+                                        <p:cTn id="11" dur="1" fill="hold">
+                                          <p:stCondLst>
+                                            <p:cond delay="0"/>
+                                          </p:stCondLst>
+                                        </p:cTn>
+                                        <p:tgtEl>
+                                          <p:spTgt spid="3">
+                                            <p:txEl>
+                                              <p:pRg st="1" end="1"/>
+                                            </p:txEl>
+                                          </p:spTgt>
+                                        </p:tgtEl>
+                                        <p:attrNameLst>
+                                          <p:attrName>style.visibility</p:attrName>
+                                        </p:attrNameLst>
+                                      </p:cBhvr>
+                                      <p:to>
+                                        <p:strVal val="visible"/>
+                                      </p:to>
+                                    </p:set>
+                                    <p:animEffect transition="in" filter="fade">
+                                      <p:cBhvr>
+                                        <p:cTn id="12" dur="500"/>
+                                        <p:tgtEl>
+                                          <p:spTgt spid="3">
+                                            <p:txEl>
+                                              <p:pRg st="1" end="1"/>
+                                            </p:txEl>
+                                          </p:spTgt>
+                                        </p:tgtEl>
+                                      </p:cBhvr>
+                                    </p:animEffect>
+                                  </p:childTnLst>
+                                </p:cTn>
+                              </p:par>
+                            </p:childTnLst>
+                          </p:cTn>
+                        </p:par>
+                      </p:childTnLst>
+                    </p:cTn>
+                  </p:par>
+                  <p:par>
+                    <p:cTn id="13" fill="hold">
+                      <p:stCondLst>
+                        <p:cond delay="indefinite"/>
+                      </p:stCondLst>
+                      <p:childTnLst>
+                        <p:par>
+                          <p:cTn id="14" fill="hold">
+                            <p:stCondLst>
+                              <p:cond delay="0"/>
+                            </p:stCondLst>
+                            <p:childTnLst>
+                              <p:par>
+                                <p:cTn id="15" presetID="10" presetClass="entr" presetSubtype="0" fill="hold" nodeType="clickEffect">
+                                  <p:stCondLst>
+                                    <p:cond delay="0"/>
+                                  </p:stCondLst>
+                                  <p:childTnLst>
+                                    <p:set>
+                                      <p:cBhvr>
+                                        <p:cTn id="16" dur="1" fill="hold">
+                                          <p:stCondLst>
+                                            <p:cond delay="0"/>
+                                          </p:stCondLst>
+                                        </p:cTn>
+                                        <p:tgtEl>
+                                          <p:spTgt spid="3">
+                                            <p:txEl>
+                                              <p:pRg st="2" end="2"/>
+                                            </p:txEl>
+                                          </p:spTgt>
+                                        </p:tgtEl>
+                                        <p:attrNameLst>
+                                          <p:attrName>style.visibility</p:attrName>
+                                        </p:attrNameLst>
+                                      </p:cBhvr>
+                                      <p:to>
+                                        <p:strVal val="visible"/>
+                                      </p:to>
+                                    </p:set>
+                                    <p:animEffect transition="in" filter="fade">
+                                      <p:cBhvr>
+                                        <p:cTn id="17" dur="500"/>
+                                        <p:tgtEl>
+                                          <p:spTgt spid="3">
+                                            <p:txEl>
+                                              <p:pRg st="2" end="2"/>
                                             </p:txEl>
                                           </p:spTgt>
                                         </p:tgtEl>
